--- a/Github での web 上からのファイル更新方法 (簡易版).pptx
+++ b/Github での web 上からのファイル更新方法 (簡易版).pptx
@@ -263,7 +263,7 @@
           <a:p>
             <a:fld id="{983DAD77-95DF-4376-B1D4-C8F45EC53179}" type="datetimeFigureOut">
               <a:rPr kumimoji="1" lang="ja-JP" altLang="en-US" smtClean="0"/>
-              <a:t>2016/10/11</a:t>
+              <a:t>2016/10/12</a:t>
             </a:fld>
             <a:endParaRPr kumimoji="1" lang="ja-JP" altLang="en-US"/>
           </a:p>
@@ -463,7 +463,7 @@
           <a:p>
             <a:fld id="{983DAD77-95DF-4376-B1D4-C8F45EC53179}" type="datetimeFigureOut">
               <a:rPr kumimoji="1" lang="ja-JP" altLang="en-US" smtClean="0"/>
-              <a:t>2016/10/11</a:t>
+              <a:t>2016/10/12</a:t>
             </a:fld>
             <a:endParaRPr kumimoji="1" lang="ja-JP" altLang="en-US"/>
           </a:p>
@@ -673,7 +673,7 @@
           <a:p>
             <a:fld id="{983DAD77-95DF-4376-B1D4-C8F45EC53179}" type="datetimeFigureOut">
               <a:rPr kumimoji="1" lang="ja-JP" altLang="en-US" smtClean="0"/>
-              <a:t>2016/10/11</a:t>
+              <a:t>2016/10/12</a:t>
             </a:fld>
             <a:endParaRPr kumimoji="1" lang="ja-JP" altLang="en-US"/>
           </a:p>
@@ -873,7 +873,7 @@
           <a:p>
             <a:fld id="{983DAD77-95DF-4376-B1D4-C8F45EC53179}" type="datetimeFigureOut">
               <a:rPr kumimoji="1" lang="ja-JP" altLang="en-US" smtClean="0"/>
-              <a:t>2016/10/11</a:t>
+              <a:t>2016/10/12</a:t>
             </a:fld>
             <a:endParaRPr kumimoji="1" lang="ja-JP" altLang="en-US"/>
           </a:p>
@@ -1118,7 +1118,7 @@
           <a:p>
             <a:fld id="{983DAD77-95DF-4376-B1D4-C8F45EC53179}" type="datetimeFigureOut">
               <a:rPr kumimoji="1" lang="ja-JP" altLang="en-US" smtClean="0"/>
-              <a:t>2016/10/11</a:t>
+              <a:t>2016/10/12</a:t>
             </a:fld>
             <a:endParaRPr kumimoji="1" lang="ja-JP" altLang="en-US"/>
           </a:p>
@@ -1411,7 +1411,7 @@
           <a:p>
             <a:fld id="{983DAD77-95DF-4376-B1D4-C8F45EC53179}" type="datetimeFigureOut">
               <a:rPr kumimoji="1" lang="ja-JP" altLang="en-US" smtClean="0"/>
-              <a:t>2016/10/11</a:t>
+              <a:t>2016/10/12</a:t>
             </a:fld>
             <a:endParaRPr kumimoji="1" lang="ja-JP" altLang="en-US"/>
           </a:p>
@@ -1839,7 +1839,7 @@
           <a:p>
             <a:fld id="{983DAD77-95DF-4376-B1D4-C8F45EC53179}" type="datetimeFigureOut">
               <a:rPr kumimoji="1" lang="ja-JP" altLang="en-US" smtClean="0"/>
-              <a:t>2016/10/11</a:t>
+              <a:t>2016/10/12</a:t>
             </a:fld>
             <a:endParaRPr kumimoji="1" lang="ja-JP" altLang="en-US"/>
           </a:p>
@@ -1956,7 +1956,7 @@
           <a:p>
             <a:fld id="{983DAD77-95DF-4376-B1D4-C8F45EC53179}" type="datetimeFigureOut">
               <a:rPr kumimoji="1" lang="ja-JP" altLang="en-US" smtClean="0"/>
-              <a:t>2016/10/11</a:t>
+              <a:t>2016/10/12</a:t>
             </a:fld>
             <a:endParaRPr kumimoji="1" lang="ja-JP" altLang="en-US"/>
           </a:p>
@@ -2051,7 +2051,7 @@
           <a:p>
             <a:fld id="{983DAD77-95DF-4376-B1D4-C8F45EC53179}" type="datetimeFigureOut">
               <a:rPr kumimoji="1" lang="ja-JP" altLang="en-US" smtClean="0"/>
-              <a:t>2016/10/11</a:t>
+              <a:t>2016/10/12</a:t>
             </a:fld>
             <a:endParaRPr kumimoji="1" lang="ja-JP" altLang="en-US"/>
           </a:p>
@@ -2358,7 +2358,7 @@
           <a:p>
             <a:fld id="{983DAD77-95DF-4376-B1D4-C8F45EC53179}" type="datetimeFigureOut">
               <a:rPr kumimoji="1" lang="ja-JP" altLang="en-US" smtClean="0"/>
-              <a:t>2016/10/11</a:t>
+              <a:t>2016/10/12</a:t>
             </a:fld>
             <a:endParaRPr kumimoji="1" lang="ja-JP" altLang="en-US"/>
           </a:p>
@@ -2610,7 +2610,7 @@
           <a:p>
             <a:fld id="{983DAD77-95DF-4376-B1D4-C8F45EC53179}" type="datetimeFigureOut">
               <a:rPr kumimoji="1" lang="ja-JP" altLang="en-US" smtClean="0"/>
-              <a:t>2016/10/11</a:t>
+              <a:t>2016/10/12</a:t>
             </a:fld>
             <a:endParaRPr kumimoji="1" lang="ja-JP" altLang="en-US"/>
           </a:p>
@@ -2853,7 +2853,7 @@
           <a:p>
             <a:fld id="{983DAD77-95DF-4376-B1D4-C8F45EC53179}" type="datetimeFigureOut">
               <a:rPr kumimoji="1" lang="ja-JP" altLang="en-US" smtClean="0"/>
-              <a:t>2016/10/11</a:t>
+              <a:t>2016/10/12</a:t>
             </a:fld>
             <a:endParaRPr kumimoji="1" lang="ja-JP" altLang="en-US"/>
           </a:p>
@@ -5779,14 +5779,13 @@
           <a:p>
             <a:pPr algn="ctr"/>
             <a:r>
-              <a:rPr lang="en-US" altLang="ja-JP" sz="2400" dirty="0"/>
-              <a:t>Confirm marge</a:t>
-            </a:r>
-            <a:r>
-              <a:rPr lang="ja-JP" altLang="en-US" sz="2400"/>
+              <a:rPr lang="en-US" altLang="ja-JP" sz="2400"/>
+              <a:t>Confirm merge</a:t>
+            </a:r>
+            <a:r>
+              <a:rPr lang="ja-JP" altLang="en-US" sz="2400" dirty="0"/>
               <a:t>をしておしまい。</a:t>
             </a:r>
-            <a:endParaRPr lang="ja-JP" altLang="en-US" sz="2400" dirty="0"/>
           </a:p>
         </p:txBody>
       </p:sp>

--- a/Github での web 上からのファイル更新方法 (簡易版).pptx
+++ b/Github での web 上からのファイル更新方法 (簡易版).pptx
@@ -5536,8 +5536,8 @@
               <a:t>に</a:t>
             </a:r>
             <a:r>
-              <a:rPr lang="en-US" altLang="ja-JP" sz="2400" dirty="0"/>
-              <a:t>Marge</a:t>
+              <a:rPr lang="en-US" altLang="ja-JP" sz="2400"/>
+              <a:t>Merge</a:t>
             </a:r>
             <a:r>
               <a:rPr lang="ja-JP" altLang="en-US" sz="2400" dirty="0"/>
@@ -5779,7 +5779,7 @@
           <a:p>
             <a:pPr algn="ctr"/>
             <a:r>
-              <a:rPr lang="en-US" altLang="ja-JP" sz="2400"/>
+              <a:rPr lang="en-US" altLang="ja-JP" sz="2400" dirty="0"/>
               <a:t>Confirm merge</a:t>
             </a:r>
             <a:r>
